--- a/mp.pptx
+++ b/mp.pptx
@@ -12564,8 +12564,8 @@
         </p:nvSpPr>
         <p:spPr bwMode="auto">
           <a:xfrm>
-            <a:off x="241300" y="1382395"/>
-            <a:ext cx="8060690" cy="1554480"/>
+            <a:off x="241300" y="1565275"/>
+            <a:ext cx="8060690" cy="1188720"/>
           </a:xfrm>
           <a:prstGeom prst="rect">
             <a:avLst/>
@@ -12605,14 +12605,14 @@
               </a:lnSpc>
             </a:pPr>
             <a:r>
-              <a:rPr lang="en-US" altLang="zh-CN" sz="1600" b="1" dirty="0">
+              <a:rPr lang="en-US" altLang="zh-CN" sz="1200" b="1" dirty="0">
                 <a:latin typeface="微软雅黑" panose="020B0503020204020204" pitchFamily="34" charset="-122"/>
                 <a:ea typeface="微软雅黑" panose="020B0503020204020204" pitchFamily="34" charset="-122"/>
                 <a:cs typeface="Times New Roman" panose="02020603050405020304" pitchFamily="18" charset="0"/>
               </a:rPr>
               <a:t>Reducer</a:t>
             </a:r>
-            <a:endParaRPr lang="en-US" altLang="zh-CN" sz="1600" b="1" dirty="0">
+            <a:endParaRPr lang="en-US" altLang="zh-CN" sz="1200" b="1" dirty="0">
               <a:latin typeface="微软雅黑" panose="020B0503020204020204" pitchFamily="34" charset="-122"/>
               <a:ea typeface="微软雅黑" panose="020B0503020204020204" pitchFamily="34" charset="-122"/>
               <a:cs typeface="Times New Roman" panose="02020603050405020304" pitchFamily="18" charset="0"/>
@@ -12625,7 +12625,7 @@
               </a:lnSpc>
             </a:pPr>
             <a:r>
-              <a:rPr sz="1600" b="1" dirty="0">
+              <a:rPr sz="1200" b="1" dirty="0">
                 <a:latin typeface="微软雅黑" panose="020B0503020204020204" pitchFamily="34" charset="-122"/>
                 <a:ea typeface="微软雅黑" panose="020B0503020204020204" pitchFamily="34" charset="-122"/>
                 <a:cs typeface="Times New Roman" panose="02020603050405020304" pitchFamily="18" charset="0"/>
@@ -12633,7 +12633,7 @@
               <a:t>在 Reducer 结点首先统计该人物与所有邻居同现的次数和 </a:t>
             </a:r>
             <a:r>
-              <a:rPr lang="en-US" sz="1600" b="1" dirty="0">
+              <a:rPr lang="en-US" sz="1200" b="1" dirty="0">
                 <a:latin typeface="微软雅黑" panose="020B0503020204020204" pitchFamily="34" charset="-122"/>
                 <a:ea typeface="微软雅黑" panose="020B0503020204020204" pitchFamily="34" charset="-122"/>
                 <a:cs typeface="Times New Roman" panose="02020603050405020304" pitchFamily="18" charset="0"/>
@@ -12641,7 +12641,7 @@
               <a:t>count</a:t>
             </a:r>
             <a:r>
-              <a:rPr sz="1600" b="1" dirty="0">
+              <a:rPr sz="1200" b="1" dirty="0">
                 <a:latin typeface="微软雅黑" panose="020B0503020204020204" pitchFamily="34" charset="-122"/>
                 <a:ea typeface="微软雅黑" panose="020B0503020204020204" pitchFamily="34" charset="-122"/>
                 <a:cs typeface="Times New Roman" panose="02020603050405020304" pitchFamily="18" charset="0"/>
@@ -12649,7 +12649,7 @@
               <a:t>，每个邻居的的同现次数除以 </a:t>
             </a:r>
             <a:r>
-              <a:rPr lang="en-US" sz="1600" b="1" dirty="0">
+              <a:rPr lang="en-US" sz="1200" b="1" dirty="0">
                 <a:latin typeface="微软雅黑" panose="020B0503020204020204" pitchFamily="34" charset="-122"/>
                 <a:ea typeface="微软雅黑" panose="020B0503020204020204" pitchFamily="34" charset="-122"/>
                 <a:cs typeface="Times New Roman" panose="02020603050405020304" pitchFamily="18" charset="0"/>
@@ -12657,14 +12657,14 @@
               <a:t>count</a:t>
             </a:r>
             <a:r>
-              <a:rPr sz="1600" b="1" dirty="0">
+              <a:rPr sz="1200" b="1" dirty="0">
                 <a:latin typeface="微软雅黑" panose="020B0503020204020204" pitchFamily="34" charset="-122"/>
                 <a:ea typeface="微软雅黑" panose="020B0503020204020204" pitchFamily="34" charset="-122"/>
                 <a:cs typeface="Times New Roman" panose="02020603050405020304" pitchFamily="18" charset="0"/>
               </a:rPr>
-              <a:t> 就得到共现概率。为了提高效率，在第一次遍历邻居的时候，可以把名字和共现次数保存在链表里，避免重复处理字符串。</a:t>
-            </a:r>
-            <a:endParaRPr sz="1600" b="1" dirty="0">
+              <a:t> 就得到共现概率。为了提高效率，在第一次遍历邻居的时候，可以把名字和共现次数保存在链表里，避免重复处理字符串。由于后续实验在PageRank计算中需要设置初始pr值0.1，为了算法性能的优化，直接在value字段前加上pr初始值0.1</a:t>
+            </a:r>
+            <a:endParaRPr sz="1200" b="1" dirty="0">
               <a:latin typeface="微软雅黑" panose="020B0503020204020204" pitchFamily="34" charset="-122"/>
               <a:ea typeface="微软雅黑" panose="020B0503020204020204" pitchFamily="34" charset="-122"/>
               <a:cs typeface="Times New Roman" panose="02020603050405020304" pitchFamily="18" charset="0"/>
@@ -12674,7 +12674,7 @@
       </p:sp>
       <p:pic>
         <p:nvPicPr>
-          <p:cNvPr id="2" name="图片 1"/>
+          <p:cNvPr id="4" name="图片 3"/>
           <p:cNvPicPr>
             <a:picLocks noChangeAspect="1"/>
           </p:cNvPicPr>
@@ -12688,8 +12688,8 @@
         </p:blipFill>
         <p:spPr>
           <a:xfrm>
-            <a:off x="1199515" y="3050540"/>
-            <a:ext cx="5490845" cy="3416935"/>
+            <a:off x="1621790" y="2753995"/>
+            <a:ext cx="5299710" cy="3573780"/>
           </a:xfrm>
           <a:prstGeom prst="rect">
             <a:avLst/>

--- a/mp.pptx
+++ b/mp.pptx
@@ -17047,7 +17047,7 @@
         </p:nvSpPr>
         <p:spPr bwMode="auto">
           <a:xfrm>
-            <a:off x="857250" y="1983106"/>
+            <a:off x="865505" y="1831341"/>
             <a:ext cx="7285038" cy="1066800"/>
           </a:xfrm>
           <a:prstGeom prst="rect">
@@ -17605,7 +17605,7 @@
         </p:blipFill>
         <p:spPr>
           <a:xfrm>
-            <a:off x="1483678" y="2897823"/>
+            <a:off x="1426528" y="2758123"/>
             <a:ext cx="5581015" cy="2237105"/>
           </a:xfrm>
           <a:prstGeom prst="rect">
